--- a/seasonal/logo.pptx
+++ b/seasonal/logo.pptx
@@ -104,6 +104,11 @@
       </a:defRPr>
     </a:lvl9pPr>
   </p:defaultTextStyle>
+  <p:extLst>
+    <p:ext uri="{EFAFB233-063F-42B5-8137-9DF3F51BA10A}">
+      <p15:sldGuideLst xmlns:p15="http://schemas.microsoft.com/office/powerpoint/2012/main"/>
+    </p:ext>
+  </p:extLst>
 </p:presentation>
 </file>
 
@@ -3335,7 +3340,7 @@
         </p:nvSpPr>
         <p:spPr>
           <a:xfrm>
-            <a:off x="-6096000" y="706906"/>
+            <a:off x="-7581900" y="0"/>
             <a:ext cx="33508950" cy="6151094"/>
           </a:xfrm>
           <a:prstGeom prst="rect">
@@ -3368,7 +3373,7 @@
           <a:p>
             <a:pPr algn="ctr"/>
             <a:r>
-              <a:rPr lang="en-US" altLang="zh-CN" sz="13800" dirty="0">
+              <a:rPr lang="en-US" altLang="zh-CN" sz="13800" b="1" dirty="0">
                 <a:solidFill>
                   <a:schemeClr val="accent1"/>
                 </a:solidFill>
@@ -3381,7 +3386,7 @@
           <a:p>
             <a:pPr algn="ctr"/>
             <a:r>
-              <a:rPr lang="en-US" altLang="zh-CN" b="1" i="1" dirty="0">
+              <a:rPr lang="en-US" altLang="zh-CN" b="1" dirty="0">
                 <a:solidFill>
                   <a:schemeClr val="accent1"/>
                 </a:solidFill>
@@ -3391,7 +3396,7 @@
               <a:t> </a:t>
             </a:r>
             <a:r>
-              <a:rPr lang="en-US" altLang="zh-CN" sz="13800" b="1" i="1" dirty="0">
+              <a:rPr lang="en-US" altLang="zh-CN" sz="13800" b="1" dirty="0">
                 <a:solidFill>
                   <a:schemeClr val="accent1"/>
                 </a:solidFill>
